--- a/WWC-Python-BeginnersNight.pptx
+++ b/WWC-Python-BeginnersNight.pptx
@@ -11787,7 +11787,47 @@
               </a:rPr>
               <a:t> Wednesday of the month</a:t>
             </a:r>
-            <a:endParaRPr sz="2000" dirty="0"/>
+          </a:p>
+          <a:p>
+            <a:pPr marL="273050" marR="0" lvl="0" indent="-255587" algn="l" rtl="0">
+              <a:lnSpc>
+                <a:spcPct val="90000"/>
+              </a:lnSpc>
+              <a:spcBef>
+                <a:spcPts val="1000"/>
+              </a:spcBef>
+              <a:spcAft>
+                <a:spcPts val="0"/>
+              </a:spcAft>
+              <a:buClr>
+                <a:schemeClr val="accent1"/>
+              </a:buClr>
+              <a:buSzPts val="1600"/>
+              <a:buFont typeface="Corbel"/>
+              <a:buChar char="•"/>
+            </a:pPr>
+            <a:endParaRPr lang="en-US" sz="2400" dirty="0">
+              <a:solidFill>
+                <a:schemeClr val="dk1"/>
+              </a:solidFill>
+              <a:latin typeface="Corbel"/>
+              <a:sym typeface="Corbel"/>
+            </a:endParaRPr>
+          </a:p>
+          <a:p>
+            <a:pPr marL="273050" lvl="0" indent="-255587">
+              <a:lnSpc>
+                <a:spcPct val="90000"/>
+              </a:lnSpc>
+              <a:buSzPts val="1600"/>
+              <a:buFont typeface="Corbel"/>
+              <a:buChar char="•"/>
+            </a:pPr>
+            <a:r>
+              <a:rPr lang="en-US" sz="3600" dirty="0"/>
+              <a:t>http://bit.ly/PYTHONWWCD</a:t>
+            </a:r>
+            <a:endParaRPr sz="3600" dirty="0"/>
           </a:p>
         </p:txBody>
       </p:sp>
